--- a/trunk/tr-semanticsearchsurvey-data/figs/screenshot_iwb.pptx
+++ b/trunk/tr-semanticsearchsurvey-data/figs/screenshot_iwb.pptx
@@ -4175,7 +4175,7 @@
           <a:p>
             <a:r>
               <a:rPr lang="de-DE" sz="1400" b="1" dirty="0" err="1" smtClean="0"/>
-              <a:t>Suggestions</a:t>
+              <a:t>Completions</a:t>
             </a:r>
             <a:endParaRPr lang="de-DE" sz="1400" b="1" dirty="0"/>
           </a:p>
@@ -4239,7 +4239,7 @@
             </a:r>
             <a:r>
               <a:rPr lang="de-DE" sz="1400" b="1" dirty="0" err="1" smtClean="0"/>
-              <a:t>Suggestions</a:t>
+              <a:t>Completions</a:t>
             </a:r>
             <a:endParaRPr lang="de-DE" sz="1400" b="1" dirty="0"/>
           </a:p>
